--- a/NoisyStudent/report/NoisyStudent_7.pptx
+++ b/NoisyStudent/report/NoisyStudent_7.pptx
@@ -5636,6 +5636,17 @@
             <a:r>
               <a:rPr lang="en-US" altLang="ko-KR"/>
               <a:t>4. Result</a:t>
+            </a:r>
+          </a:p>
+          <a:p>
+            <a:pPr>
+              <a:lnSpc>
+                <a:spcPct val="150000"/>
+              </a:lnSpc>
+            </a:pPr>
+            <a:r>
+              <a:rPr lang="en-US" altLang="ko-KR"/>
+              <a:t>5. HomePage GPU Utils</a:t>
             </a:r>
           </a:p>
         </p:txBody>
